--- a/2017/DPL/Segundo trimestre/Team fundation version control.pptx
+++ b/2017/DPL/Segundo trimestre/Team fundation version control.pptx
@@ -17,6 +17,7 @@
     <p:sldId id="264" r:id="rId11"/>
     <p:sldId id="265" r:id="rId12"/>
     <p:sldId id="266" r:id="rId13"/>
+    <p:sldId id="268" r:id="rId14"/>
   </p:sldIdLst>
   <p:sldSz cx="12192000" cy="6858000"/>
   <p:notesSz cx="6858000" cy="9144000"/>
@@ -115,7 +116,16 @@
       </a:defRPr>
     </a:lvl9pPr>
   </p:defaultTextStyle>
+  <p:extLst>
+    <p:ext uri="{EFAFB233-063F-42B5-8137-9DF3F51BA10A}">
+      <p15:sldGuideLst xmlns:p15="http://schemas.microsoft.com/office/powerpoint/2012/main"/>
+    </p:ext>
+  </p:extLst>
 </p:presentation>
+</file>
+
+<file path=ppt/revisionInfo.xml><?xml version="1.0" encoding="utf-8"?>
+<p1510:revInfo xmlns:a="http://schemas.openxmlformats.org/drawingml/2006/main" xmlns:r="http://schemas.openxmlformats.org/officeDocument/2006/relationships" xmlns:p1510="http://schemas.microsoft.com/office/powerpoint/2015/10/main"/>
 </file>
 
 <file path=ppt/slideLayouts/slideLayout1.xml><?xml version="1.0" encoding="utf-8"?>
@@ -288,7 +298,7 @@
             <a:fld id="{87DE6118-2437-4B30-8E3C-4D2BE6020583}" type="datetimeFigureOut">
               <a:rPr lang="en-US" dirty="0"/>
               <a:pPr/>
-              <a:t>1/12/2018</a:t>
+              <a:t>1/16/2018</a:t>
             </a:fld>
             <a:endParaRPr lang="en-US" dirty="0"/>
           </a:p>
@@ -614,7 +624,7 @@
           <a:p>
             <a:fld id="{87DE6118-2437-4B30-8E3C-4D2BE6020583}" type="datetimeFigureOut">
               <a:rPr lang="en-US" dirty="0"/>
-              <a:t>1/12/2018</a:t>
+              <a:t>1/16/2018</a:t>
             </a:fld>
             <a:endParaRPr lang="en-US" dirty="0"/>
           </a:p>
@@ -789,7 +799,7 @@
           <a:p>
             <a:fld id="{87DE6118-2437-4B30-8E3C-4D2BE6020583}" type="datetimeFigureOut">
               <a:rPr lang="en-US" dirty="0"/>
-              <a:t>1/12/2018</a:t>
+              <a:t>1/16/2018</a:t>
             </a:fld>
             <a:endParaRPr lang="en-US" dirty="0"/>
           </a:p>
@@ -954,7 +964,7 @@
           <a:p>
             <a:fld id="{87DE6118-2437-4B30-8E3C-4D2BE6020583}" type="datetimeFigureOut">
               <a:rPr lang="en-US" dirty="0"/>
-              <a:t>1/12/2018</a:t>
+              <a:t>1/16/2018</a:t>
             </a:fld>
             <a:endParaRPr lang="en-US" dirty="0"/>
           </a:p>
@@ -1227,7 +1237,7 @@
             <a:fld id="{87DE6118-2437-4B30-8E3C-4D2BE6020583}" type="datetimeFigureOut">
               <a:rPr lang="en-US" dirty="0"/>
               <a:pPr/>
-              <a:t>1/12/2018</a:t>
+              <a:t>1/16/2018</a:t>
             </a:fld>
             <a:endParaRPr lang="en-US" dirty="0"/>
           </a:p>
@@ -1617,7 +1627,7 @@
           <a:p>
             <a:fld id="{87DE6118-2437-4B30-8E3C-4D2BE6020583}" type="datetimeFigureOut">
               <a:rPr lang="en-US" dirty="0"/>
-              <a:t>1/12/2018</a:t>
+              <a:t>1/16/2018</a:t>
             </a:fld>
             <a:endParaRPr lang="en-US" dirty="0"/>
           </a:p>
@@ -2089,7 +2099,7 @@
           <a:p>
             <a:fld id="{87DE6118-2437-4B30-8E3C-4D2BE6020583}" type="datetimeFigureOut">
               <a:rPr lang="en-US" dirty="0"/>
-              <a:t>1/12/2018</a:t>
+              <a:t>1/16/2018</a:t>
             </a:fld>
             <a:endParaRPr lang="en-US" dirty="0"/>
           </a:p>
@@ -2202,7 +2212,7 @@
           <a:p>
             <a:fld id="{87DE6118-2437-4B30-8E3C-4D2BE6020583}" type="datetimeFigureOut">
               <a:rPr lang="en-US" dirty="0"/>
-              <a:t>1/12/2018</a:t>
+              <a:t>1/16/2018</a:t>
             </a:fld>
             <a:endParaRPr lang="en-US" dirty="0"/>
           </a:p>
@@ -2292,7 +2302,7 @@
           <a:p>
             <a:fld id="{87DE6118-2437-4B30-8E3C-4D2BE6020583}" type="datetimeFigureOut">
               <a:rPr lang="en-US" dirty="0"/>
-              <a:t>1/12/2018</a:t>
+              <a:t>1/16/2018</a:t>
             </a:fld>
             <a:endParaRPr lang="en-US" dirty="0"/>
           </a:p>
@@ -2634,7 +2644,7 @@
             <a:fld id="{87DE6118-2437-4B30-8E3C-4D2BE6020583}" type="datetimeFigureOut">
               <a:rPr lang="en-US" dirty="0"/>
               <a:pPr/>
-              <a:t>1/12/2018</a:t>
+              <a:t>1/16/2018</a:t>
             </a:fld>
             <a:endParaRPr lang="en-US" dirty="0"/>
           </a:p>
@@ -3019,7 +3029,7 @@
             <a:fld id="{87DE6118-2437-4B30-8E3C-4D2BE6020583}" type="datetimeFigureOut">
               <a:rPr lang="en-US" dirty="0"/>
               <a:pPr/>
-              <a:t>1/12/2018</a:t>
+              <a:t>1/16/2018</a:t>
             </a:fld>
             <a:endParaRPr lang="en-US" dirty="0"/>
           </a:p>
@@ -3294,7 +3304,7 @@
             <a:fld id="{87DE6118-2437-4B30-8E3C-4D2BE6020583}" type="datetimeFigureOut">
               <a:rPr lang="en-US" dirty="0"/>
               <a:pPr/>
-              <a:t>1/12/2018</a:t>
+              <a:t>1/16/2018</a:t>
             </a:fld>
             <a:endParaRPr lang="en-US" dirty="0"/>
           </a:p>
@@ -3818,34 +3828,19 @@
             <p:ph type="ctrTitle"/>
           </p:nvPr>
         </p:nvSpPr>
-        <p:spPr/>
-        <p:txBody>
-          <a:bodyPr/>
-          <a:lstStyle/>
-          <a:p>
-            <a:r>
-              <a:rPr lang="es-ES" dirty="0" err="1"/>
-              <a:t>Team</a:t>
-            </a:r>
+        <p:spPr>
+          <a:xfrm>
+            <a:off x="1915126" y="1405562"/>
+            <a:ext cx="8361229" cy="1217505"/>
+          </a:xfrm>
+        </p:spPr>
+        <p:txBody>
+          <a:bodyPr/>
+          <a:lstStyle/>
+          <a:p>
             <a:r>
               <a:rPr lang="es-ES" dirty="0"/>
-              <a:t> </a:t>
-            </a:r>
-            <a:r>
-              <a:rPr lang="es-ES" dirty="0" err="1"/>
-              <a:t>fundation</a:t>
-            </a:r>
-            <a:r>
-              <a:rPr lang="es-ES" dirty="0"/>
-              <a:t> </a:t>
-            </a:r>
-            <a:r>
-              <a:rPr lang="es-ES" dirty="0" err="1"/>
-              <a:t>version</a:t>
-            </a:r>
-            <a:r>
-              <a:rPr lang="es-ES" dirty="0"/>
-              <a:t> control</a:t>
+              <a:t>TFS Y TFVC</a:t>
             </a:r>
           </a:p>
         </p:txBody>
@@ -3888,6 +3883,96 @@
             <a:r>
               <a:rPr lang="es-ES" dirty="0"/>
               <a:t>Emiliano Montesdeoca del Puerto</a:t>
+            </a:r>
+          </a:p>
+        </p:txBody>
+      </p:sp>
+      <p:sp>
+        <p:nvSpPr>
+          <p:cNvPr id="4" name="Título 1">
+            <a:extLst>
+              <a:ext uri="{FF2B5EF4-FFF2-40B4-BE49-F238E27FC236}">
+                <a16:creationId xmlns:a16="http://schemas.microsoft.com/office/drawing/2014/main" id="{63CBAA26-AB9A-4C30-A53B-8E130DF7D2D6}"/>
+              </a:ext>
+            </a:extLst>
+          </p:cNvPr>
+          <p:cNvSpPr txBox="1">
+            <a:spLocks/>
+          </p:cNvSpPr>
+          <p:nvPr/>
+        </p:nvSpPr>
+        <p:spPr>
+          <a:xfrm>
+            <a:off x="1915127" y="2528474"/>
+            <a:ext cx="8361229" cy="1217505"/>
+          </a:xfrm>
+          <a:prstGeom prst="rect">
+            <a:avLst/>
+          </a:prstGeom>
+        </p:spPr>
+        <p:txBody>
+          <a:bodyPr vert="horz" lIns="91440" tIns="45720" rIns="91440" bIns="45720" rtlCol="0" anchor="b">
+            <a:noAutofit/>
+          </a:bodyPr>
+          <a:lstStyle>
+            <a:lvl1pPr algn="ctr" defTabSz="914400" rtl="0" eaLnBrk="1" latinLnBrk="0" hangingPunct="1">
+              <a:lnSpc>
+                <a:spcPct val="89000"/>
+              </a:lnSpc>
+              <a:spcBef>
+                <a:spcPct val="0"/>
+              </a:spcBef>
+              <a:buNone/>
+              <a:defRPr sz="7200" kern="1200" cap="all" baseline="0">
+                <a:solidFill>
+                  <a:schemeClr val="tx2"/>
+                </a:solidFill>
+                <a:latin typeface="+mj-lt"/>
+                <a:ea typeface="+mj-ea"/>
+                <a:cs typeface="+mj-cs"/>
+              </a:defRPr>
+            </a:lvl1pPr>
+          </a:lstStyle>
+          <a:p>
+            <a:r>
+              <a:rPr lang="es-ES" sz="3600" dirty="0" err="1"/>
+              <a:t>Team</a:t>
+            </a:r>
+            <a:r>
+              <a:rPr lang="es-ES" sz="3600" dirty="0"/>
+              <a:t> </a:t>
+            </a:r>
+            <a:r>
+              <a:rPr lang="es-ES" sz="3600" dirty="0" err="1"/>
+              <a:t>fundation</a:t>
+            </a:r>
+            <a:r>
+              <a:rPr lang="es-ES" sz="3600" dirty="0"/>
+              <a:t> server y </a:t>
+            </a:r>
+            <a:r>
+              <a:rPr lang="es-ES" sz="3600" dirty="0" err="1"/>
+              <a:t>Team</a:t>
+            </a:r>
+            <a:r>
+              <a:rPr lang="es-ES" sz="3600" dirty="0"/>
+              <a:t> </a:t>
+            </a:r>
+            <a:r>
+              <a:rPr lang="es-ES" sz="3600" dirty="0" err="1"/>
+              <a:t>fundation</a:t>
+            </a:r>
+            <a:r>
+              <a:rPr lang="es-ES" sz="3600" dirty="0"/>
+              <a:t> </a:t>
+            </a:r>
+            <a:r>
+              <a:rPr lang="es-ES" sz="3600" dirty="0" err="1"/>
+              <a:t>Version</a:t>
+            </a:r>
+            <a:r>
+              <a:rPr lang="es-ES" sz="3600" dirty="0"/>
+              <a:t> control</a:t>
             </a:r>
           </a:p>
         </p:txBody>
@@ -3958,7 +4043,7 @@
             </a:r>
             <a:r>
               <a:rPr lang="es-ES" dirty="0" err="1"/>
-              <a:t>fundation</a:t>
+              <a:t>Fundation</a:t>
             </a:r>
             <a:r>
               <a:rPr lang="es-ES" dirty="0"/>
@@ -3966,11 +4051,11 @@
             </a:r>
             <a:r>
               <a:rPr lang="es-ES" dirty="0" err="1"/>
-              <a:t>version</a:t>
+              <a:t>Version</a:t>
             </a:r>
             <a:r>
               <a:rPr lang="es-ES" dirty="0"/>
-              <a:t> control (TFVC)</a:t>
+              <a:t> Control (TFVC)</a:t>
             </a:r>
           </a:p>
         </p:txBody>
@@ -4058,7 +4143,7 @@
         <p:spPr>
           <a:xfrm>
             <a:off x="2157032" y="3056889"/>
-            <a:ext cx="3217099" cy="369332"/>
+            <a:ext cx="3298852" cy="369332"/>
           </a:xfrm>
           <a:prstGeom prst="rect">
             <a:avLst/>
@@ -4073,7 +4158,7 @@
           <a:p>
             <a:r>
               <a:rPr lang="es-ES" dirty="0"/>
-              <a:t>Espacios de trabajo del servido</a:t>
+              <a:t>Espacios de trabajo del servidor</a:t>
             </a:r>
           </a:p>
         </p:txBody>
@@ -4519,13 +4604,13 @@
         </p:spPr>
         <p:txBody>
           <a:bodyPr>
-            <a:normAutofit fontScale="92500" lnSpcReduction="20000"/>
+            <a:normAutofit lnSpcReduction="10000"/>
           </a:bodyPr>
           <a:lstStyle/>
           <a:p>
             <a:r>
               <a:rPr lang="es-ES" dirty="0"/>
-              <a:t> Un control de versiones de código fuente, en formato centralizado o distribuido con TFVC.</a:t>
+              <a:t>Un control de versiones de código fuente, en formato centralizado o distribuido con TFVC.</a:t>
             </a:r>
           </a:p>
           <a:p>
@@ -4595,19 +4680,21 @@
           <a:p>
             <a:r>
               <a:rPr lang="es-ES" dirty="0"/>
-              <a:t>Integración nativa con Microsoft Office.</a:t>
+              <a:t>Gestión de pruebas y casos de pruebas automatizado.</a:t>
             </a:r>
           </a:p>
           <a:p>
             <a:r>
               <a:rPr lang="es-ES" dirty="0"/>
-              <a:t>Gestión de pruebas y casos de pruebas automatizado.</a:t>
-            </a:r>
-          </a:p>
-          <a:p>
+              <a:t>Integración con entornos no Microsoft </a:t>
+            </a:r>
+            <a:r>
+              <a:rPr lang="es-ES"/>
+              <a:t>como Eclipse, </a:t>
+            </a:r>
             <a:r>
               <a:rPr lang="es-ES" dirty="0"/>
-              <a:t>Integración con entornos no Microsoft como Eclipse, Cobol, etc.</a:t>
+              <a:t>etc.</a:t>
             </a:r>
           </a:p>
         </p:txBody>
@@ -4671,7 +4758,7 @@
         </p:spPr>
         <p:txBody>
           <a:bodyPr>
-            <a:normAutofit fontScale="92500" lnSpcReduction="20000"/>
+            <a:normAutofit lnSpcReduction="10000"/>
           </a:bodyPr>
           <a:lstStyle/>
           <a:p>
@@ -4768,6 +4855,96 @@
     <p:extLst>
       <p:ext uri="{BB962C8B-B14F-4D97-AF65-F5344CB8AC3E}">
         <p14:creationId xmlns:p14="http://schemas.microsoft.com/office/powerpoint/2010/main" val="2728296524"/>
+      </p:ext>
+    </p:extLst>
+  </p:cSld>
+  <p:clrMapOvr>
+    <a:masterClrMapping/>
+  </p:clrMapOvr>
+</p:sld>
+</file>
+
+<file path=ppt/slides/slide13.xml><?xml version="1.0" encoding="utf-8"?>
+<p:sld xmlns:a="http://schemas.openxmlformats.org/drawingml/2006/main" xmlns:r="http://schemas.openxmlformats.org/officeDocument/2006/relationships" xmlns:p="http://schemas.openxmlformats.org/presentationml/2006/main">
+  <p:cSld>
+    <p:spTree>
+      <p:nvGrpSpPr>
+        <p:cNvPr id="1" name=""/>
+        <p:cNvGrpSpPr/>
+        <p:nvPr/>
+      </p:nvGrpSpPr>
+      <p:grpSpPr>
+        <a:xfrm>
+          <a:off x="0" y="0"/>
+          <a:ext cx="0" cy="0"/>
+          <a:chOff x="0" y="0"/>
+          <a:chExt cx="0" cy="0"/>
+        </a:xfrm>
+      </p:grpSpPr>
+      <p:sp>
+        <p:nvSpPr>
+          <p:cNvPr id="2" name="Título 1">
+            <a:extLst>
+              <a:ext uri="{FF2B5EF4-FFF2-40B4-BE49-F238E27FC236}">
+                <a16:creationId xmlns:a16="http://schemas.microsoft.com/office/drawing/2014/main" id="{DBEA6993-EDC8-464F-B032-77B67307C4D7}"/>
+              </a:ext>
+            </a:extLst>
+          </p:cNvPr>
+          <p:cNvSpPr>
+            <a:spLocks noGrp="1"/>
+          </p:cNvSpPr>
+          <p:nvPr>
+            <p:ph type="title"/>
+          </p:nvPr>
+        </p:nvSpPr>
+        <p:spPr/>
+        <p:txBody>
+          <a:bodyPr/>
+          <a:lstStyle/>
+          <a:p>
+            <a:r>
+              <a:rPr lang="es-ES" dirty="0"/>
+              <a:t>Demo</a:t>
+            </a:r>
+          </a:p>
+        </p:txBody>
+      </p:sp>
+      <p:sp>
+        <p:nvSpPr>
+          <p:cNvPr id="3" name="Marcador de texto 2">
+            <a:extLst>
+              <a:ext uri="{FF2B5EF4-FFF2-40B4-BE49-F238E27FC236}">
+                <a16:creationId xmlns:a16="http://schemas.microsoft.com/office/drawing/2014/main" id="{6273AA69-E587-4BB1-A3C6-A5C49ADE5EB9}"/>
+              </a:ext>
+            </a:extLst>
+          </p:cNvPr>
+          <p:cNvSpPr>
+            <a:spLocks noGrp="1"/>
+          </p:cNvSpPr>
+          <p:nvPr>
+            <p:ph type="body" idx="1"/>
+          </p:nvPr>
+        </p:nvSpPr>
+        <p:spPr/>
+        <p:txBody>
+          <a:bodyPr/>
+          <a:lstStyle/>
+          <a:p>
+            <a:r>
+              <a:rPr lang="es-ES" dirty="0"/>
+              <a:t>Creación de un proyecto </a:t>
+            </a:r>
+            <a:r>
+              <a:rPr lang="es-ES"/>
+              <a:t>e implementarlo con TFS</a:t>
+            </a:r>
+          </a:p>
+        </p:txBody>
+      </p:sp>
+    </p:spTree>
+    <p:extLst>
+      <p:ext uri="{BB962C8B-B14F-4D97-AF65-F5344CB8AC3E}">
+        <p14:creationId xmlns:p14="http://schemas.microsoft.com/office/powerpoint/2010/main" val="3779535108"/>
       </p:ext>
     </p:extLst>
   </p:cSld>
